--- a/Presentations/Module 05 - Deployment.pptx
+++ b/Presentations/Module 05 - Deployment.pptx
@@ -268,19 +268,19 @@
           </ac:picMkLst>
         </pc:picChg>
         <pc:picChg chg="add del">
+          <ac:chgData name="Jameel Ahmed" userId="c879773c89666459" providerId="LiveId" clId="{1C2AB3AD-B085-4695-8165-E0C6523471CB}" dt="2018-05-18T03:30:20.728" v="9" actId="478"/>
+          <ac:picMkLst>
+            <pc:docMk/>
+            <pc:sldMk cId="3295418250" sldId="320"/>
+            <ac:picMk id="5" creationId="{6F5FE43C-8639-426A-BE62-5009F85AF387}"/>
+          </ac:picMkLst>
+        </pc:picChg>
+        <pc:picChg chg="add del">
           <ac:chgData name="Jameel Ahmed" userId="c879773c89666459" providerId="LiveId" clId="{1C2AB3AD-B085-4695-8165-E0C6523471CB}" dt="2018-05-18T06:57:56.435" v="945"/>
           <ac:picMkLst>
             <pc:docMk/>
             <pc:sldMk cId="3295418250" sldId="320"/>
             <ac:picMk id="5" creationId="{AFF43A5F-F6AD-4031-ADE6-ED1D539705CE}"/>
-          </ac:picMkLst>
-        </pc:picChg>
-        <pc:picChg chg="add del">
-          <ac:chgData name="Jameel Ahmed" userId="c879773c89666459" providerId="LiveId" clId="{1C2AB3AD-B085-4695-8165-E0C6523471CB}" dt="2018-05-18T03:30:20.728" v="9" actId="478"/>
-          <ac:picMkLst>
-            <pc:docMk/>
-            <pc:sldMk cId="3295418250" sldId="320"/>
-            <ac:picMk id="5" creationId="{6F5FE43C-8639-426A-BE62-5009F85AF387}"/>
           </ac:picMkLst>
         </pc:picChg>
         <pc:picChg chg="add del mod">
@@ -716,7 +716,7 @@
               <a:rPr lang="en-US" smtClean="0">
                 <a:latin typeface="Segoe UI" pitchFamily="34" charset="0"/>
               </a:rPr>
-              <a:t>5/17/2018 11:28 PM</a:t>
+              <a:t>2021-05-27 10:34 AM</a:t>
             </a:fld>
             <a:endParaRPr lang="en-US" dirty="0">
               <a:latin typeface="Segoe UI" pitchFamily="34" charset="0"/>
@@ -994,7 +994,7 @@
           <a:p>
             <a:fld id="{38EEC551-8CDA-4EB6-89BB-2A86C9F091C8}" type="datetime8">
               <a:rPr lang="en-US" smtClean="0"/>
-              <a:t>5/17/2018 11:28 PM</a:t>
+              <a:t>2021-05-27 10:33 AM</a:t>
             </a:fld>
             <a:endParaRPr lang="en-US" dirty="0"/>
           </a:p>
@@ -1361,7 +1361,7 @@
           <a:p>
             <a:fld id="{6D0596E5-6523-4DD8-A9ED-0418BD42519C}" type="datetime8">
               <a:rPr lang="en-US" smtClean="0"/>
-              <a:t>5/17/2018 11:28 PM</a:t>
+              <a:t>2021-05-27 10:33 AM</a:t>
             </a:fld>
             <a:endParaRPr lang="en-US" dirty="0"/>
           </a:p>
@@ -1603,7 +1603,7 @@
           <a:p>
             <a:fld id="{38EEC551-8CDA-4EB6-89BB-2A86C9F091C8}" type="datetime8">
               <a:rPr lang="en-US" smtClean="0"/>
-              <a:t>5/18/2018 12:26 AM</a:t>
+              <a:t>2021-05-27 10:33 AM</a:t>
             </a:fld>
             <a:endParaRPr lang="en-US" dirty="0"/>
           </a:p>
@@ -1817,7 +1817,7 @@
           <a:p>
             <a:fld id="{38EEC551-8CDA-4EB6-89BB-2A86C9F091C8}" type="datetime8">
               <a:rPr lang="en-US" smtClean="0"/>
-              <a:t>5/18/2018 12:23 AM</a:t>
+              <a:t>2021-05-27 10:33 AM</a:t>
             </a:fld>
             <a:endParaRPr lang="en-US" dirty="0"/>
           </a:p>
@@ -2001,7 +2001,7 @@
           <a:p>
             <a:fld id="{38EEC551-8CDA-4EB6-89BB-2A86C9F091C8}" type="datetime8">
               <a:rPr lang="en-US" smtClean="0"/>
-              <a:t>5/18/2018 12:24 AM</a:t>
+              <a:t>2021-05-27 10:33 AM</a:t>
             </a:fld>
             <a:endParaRPr lang="en-US" dirty="0"/>
           </a:p>
@@ -2182,7 +2182,7 @@
           <a:p>
             <a:fld id="{38EEC551-8CDA-4EB6-89BB-2A86C9F091C8}" type="datetime8">
               <a:rPr lang="en-US" smtClean="0"/>
-              <a:t>5/18/2018 12:48 AM</a:t>
+              <a:t>2021-05-27 10:33 AM</a:t>
             </a:fld>
             <a:endParaRPr lang="en-US" dirty="0"/>
           </a:p>
@@ -2363,7 +2363,7 @@
           <a:p>
             <a:fld id="{38EEC551-8CDA-4EB6-89BB-2A86C9F091C8}" type="datetime8">
               <a:rPr lang="en-US" smtClean="0"/>
-              <a:t>5/18/2018 12:49 AM</a:t>
+              <a:t>2021-05-27 10:33 AM</a:t>
             </a:fld>
             <a:endParaRPr lang="en-US" dirty="0"/>
           </a:p>
@@ -2544,7 +2544,7 @@
           <a:p>
             <a:fld id="{38EEC551-8CDA-4EB6-89BB-2A86C9F091C8}" type="datetime8">
               <a:rPr lang="en-US" smtClean="0"/>
-              <a:t>5/18/2018 12:49 AM</a:t>
+              <a:t>2021-05-27 10:33 AM</a:t>
             </a:fld>
             <a:endParaRPr lang="en-US" dirty="0"/>
           </a:p>
@@ -2694,7 +2694,7 @@
                   <a:prstClr val="black"/>
                 </a:solidFill>
               </a:rPr>
-              <a:t>5/17/2018 11:28 PM</a:t>
+              <a:t>2021-05-27 10:33 AM</a:t>
             </a:fld>
             <a:endParaRPr lang="en-US" dirty="0">
               <a:solidFill>
@@ -18699,7 +18699,7 @@
       </a:lvl9pPr>
     </p:otherStyle>
   </p:txStyles>
-  <p:extLst mod="1">
+  <p:extLst>
     <p:ext uri="{27BBF7A9-308A-43DC-89C8-2F10F3537804}">
       <p15:sldGuideLst xmlns:p15="http://schemas.microsoft.com/office/powerpoint/2012/main">
         <p15:guide id="1" orient="horz" pos="187">
@@ -19362,7 +19362,7 @@
       </a:lvl9pPr>
     </p:otherStyle>
   </p:txStyles>
-  <p:extLst mod="1">
+  <p:extLst>
     <p:ext uri="{27BBF7A9-308A-43DC-89C8-2F10F3537804}">
       <p15:sldGuideLst xmlns:p15="http://schemas.microsoft.com/office/powerpoint/2012/main">
         <p15:guide id="1" orient="horz" pos="187">
@@ -20028,7 +20028,7 @@
       </a:lvl9pPr>
     </p:otherStyle>
   </p:txStyles>
-  <p:extLst mod="1">
+  <p:extLst>
     <p:ext uri="{27BBF7A9-308A-43DC-89C8-2F10F3537804}">
       <p15:sldGuideLst xmlns:p15="http://schemas.microsoft.com/office/powerpoint/2012/main">
         <p15:guide id="1" orient="horz" pos="187">
@@ -20695,7 +20695,7 @@
       </a:lvl9pPr>
     </p:otherStyle>
   </p:txStyles>
-  <p:extLst mod="1">
+  <p:extLst>
     <p:ext uri="{27BBF7A9-308A-43DC-89C8-2F10F3537804}">
       <p15:sldGuideLst xmlns:p15="http://schemas.microsoft.com/office/powerpoint/2012/main">
         <p15:guide id="1" orient="horz" pos="187">
@@ -20958,15 +20958,7 @@
           <a:p>
             <a:r>
               <a:rPr lang="en-CA" dirty="0"/>
-              <a:t>Allows you to save a set of preconfigured values as an environment </a:t>
-            </a:r>
-            <a:r>
-              <a:rPr lang="en-CA" dirty="0" err="1"/>
-              <a:t>eg</a:t>
-            </a:r>
-            <a:r>
-              <a:rPr lang="en-CA" dirty="0"/>
-              <a:t>: Dev, QA, Prod </a:t>
+              <a:t>Allows you to save a set of preconfigured values as an environment e.g.: Dev, QA, Prod </a:t>
             </a:r>
           </a:p>
           <a:p>
@@ -21074,15 +21066,7 @@
           <a:p>
             <a:r>
               <a:rPr lang="en-CA" dirty="0"/>
-              <a:t>Create Environment, </a:t>
-            </a:r>
-            <a:r>
-              <a:rPr lang="en-CA" dirty="0" err="1"/>
-              <a:t>eg</a:t>
-            </a:r>
-            <a:r>
-              <a:rPr lang="en-CA" dirty="0"/>
-              <a:t>: Dev, QA, Prod </a:t>
+              <a:t>Create Environment, e.g.: Dev, QA, Prod </a:t>
             </a:r>
           </a:p>
           <a:p>
@@ -21108,7 +21092,7 @@
             <a:pPr lvl="1"/>
             <a:r>
               <a:rPr lang="en-CA" dirty="0"/>
-              <a:t>i.e. which allowable environments can be used to configure the project </a:t>
+              <a:t>i.e., which allowable environments can be used to configure the project </a:t>
             </a:r>
           </a:p>
           <a:p>
@@ -21228,15 +21212,7 @@
           <a:p>
             <a:r>
               <a:rPr lang="en-CA" dirty="0"/>
-              <a:t>Create Environment, </a:t>
-            </a:r>
-            <a:r>
-              <a:rPr lang="en-CA" dirty="0" err="1"/>
-              <a:t>eg</a:t>
-            </a:r>
-            <a:r>
-              <a:rPr lang="en-CA" dirty="0"/>
-              <a:t>: Dev, QA, Prod </a:t>
+              <a:t>Create Environment, e.g.: Dev, QA, Prod </a:t>
             </a:r>
           </a:p>
           <a:p>
@@ -21361,7 +21337,7 @@
           <a:p>
             <a:r>
               <a:rPr lang="en-US" dirty="0"/>
-              <a:t>How to configure and setup Environment Variables?</a:t>
+              <a:t>Deployment &amp; Scheduling SSIS Jobs</a:t>
             </a:r>
           </a:p>
         </p:txBody>
@@ -21389,7 +21365,7 @@
           <a:p>
             <a:r>
               <a:rPr lang="en-US" dirty="0"/>
-              <a:t>Demo</a:t>
+              <a:t>Lab 01</a:t>
             </a:r>
           </a:p>
         </p:txBody>
@@ -21696,15 +21672,7 @@
             </a:r>
             <a:r>
               <a:rPr lang="en-CA" dirty="0"/>
-              <a:t>&gt; - build only the </a:t>
-            </a:r>
-            <a:r>
-              <a:rPr lang="en-CA" dirty="0" err="1"/>
-              <a:t>currenty</a:t>
-            </a:r>
-            <a:r>
-              <a:rPr lang="en-CA" dirty="0"/>
-              <a:t> single project</a:t>
+              <a:t>&gt; - build only the currently single project</a:t>
             </a:r>
           </a:p>
           <a:p>
@@ -24371,6 +24339,65 @@
 </file>
 
 <file path=customXml/item1.xml><?xml version="1.0" encoding="utf-8"?>
+<?mso-contentType ?>
+<spe:Receivers xmlns:spe="http://schemas.microsoft.com/sharepoint/events">
+  <Receiver>
+    <Name>Document ID Generator</Name>
+    <Synchronization>Synchronous</Synchronization>
+    <Type>10001</Type>
+    <SequenceNumber>1000</SequenceNumber>
+    <Url/>
+    <Assembly>Microsoft.Office.DocumentManagement, Version=16.0.0.0, Culture=neutral, PublicKeyToken=71e9bce111e9429c</Assembly>
+    <Class>Microsoft.Office.DocumentManagement.Internal.DocIdHandler</Class>
+    <Data/>
+    <Filter/>
+  </Receiver>
+  <Receiver>
+    <Name>Document ID Generator</Name>
+    <Synchronization>Synchronous</Synchronization>
+    <Type>10002</Type>
+    <SequenceNumber>1001</SequenceNumber>
+    <Url/>
+    <Assembly>Microsoft.Office.DocumentManagement, Version=16.0.0.0, Culture=neutral, PublicKeyToken=71e9bce111e9429c</Assembly>
+    <Class>Microsoft.Office.DocumentManagement.Internal.DocIdHandler</Class>
+    <Data/>
+    <Filter/>
+  </Receiver>
+  <Receiver>
+    <Name>Document ID Generator</Name>
+    <Synchronization>Synchronous</Synchronization>
+    <Type>10004</Type>
+    <SequenceNumber>1002</SequenceNumber>
+    <Url/>
+    <Assembly>Microsoft.Office.DocumentManagement, Version=16.0.0.0, Culture=neutral, PublicKeyToken=71e9bce111e9429c</Assembly>
+    <Class>Microsoft.Office.DocumentManagement.Internal.DocIdHandler</Class>
+    <Data/>
+    <Filter/>
+  </Receiver>
+  <Receiver>
+    <Name>Document ID Generator</Name>
+    <Synchronization>Synchronous</Synchronization>
+    <Type>10006</Type>
+    <SequenceNumber>1003</SequenceNumber>
+    <Url/>
+    <Assembly>Microsoft.Office.DocumentManagement, Version=16.0.0.0, Culture=neutral, PublicKeyToken=71e9bce111e9429c</Assembly>
+    <Class>Microsoft.Office.DocumentManagement.Internal.DocIdHandler</Class>
+    <Data/>
+    <Filter/>
+  </Receiver>
+</spe:Receivers>
+</file>
+
+<file path=customXml/item2.xml><?xml version="1.0" encoding="utf-8"?>
+<?mso-contentType ?>
+<FormTemplates xmlns="http://schemas.microsoft.com/sharepoint/v3/contenttype/forms">
+  <Display>DocumentLibraryForm</Display>
+  <Edit>DocumentLibraryForm</Edit>
+  <New>DocumentLibraryForm</New>
+</FormTemplates>
+</file>
+
+<file path=customXml/item3.xml><?xml version="1.0" encoding="utf-8"?>
 <ct:contentTypeSchema xmlns:ct="http://schemas.microsoft.com/office/2006/metadata/contentType" xmlns:ma="http://schemas.microsoft.com/office/2006/metadata/properties/metaAttributes" ct:_="" ma:_="" ma:contentTypeName="Document" ma:contentTypeID="0x010100E159D276C0CB3447A69A9CE69396C846" ma:contentTypeVersion="2" ma:contentTypeDescription="Create a new document." ma:contentTypeScope="" ma:versionID="1dc5f255bb5d53da19c6b9c45c545005">
   <xsd:schema xmlns:xsd="http://www.w3.org/2001/XMLSchema" xmlns:xs="http://www.w3.org/2001/XMLSchema" xmlns:p="http://schemas.microsoft.com/office/2006/metadata/properties" xmlns:ns2="230e9df3-be65-4c73-a93b-d1236ebd677e" xmlns:ns3="4b6e114e-4d2a-4f10-9268-ba081d6f28ac" targetNamespace="http://schemas.microsoft.com/office/2006/metadata/properties" ma:root="true" ma:fieldsID="2caf596d414b9a9a356b58e82e2d1a15" ns2:_="" ns3:_="">
     <xsd:import namespace="230e9df3-be65-4c73-a93b-d1236ebd677e"/>
@@ -24532,65 +24559,6 @@
 </ct:contentTypeSchema>
 </file>
 
-<file path=customXml/item2.xml><?xml version="1.0" encoding="utf-8"?>
-<?mso-contentType ?>
-<FormTemplates xmlns="http://schemas.microsoft.com/sharepoint/v3/contenttype/forms">
-  <Display>DocumentLibraryForm</Display>
-  <Edit>DocumentLibraryForm</Edit>
-  <New>DocumentLibraryForm</New>
-</FormTemplates>
-</file>
-
-<file path=customXml/item3.xml><?xml version="1.0" encoding="utf-8"?>
-<?mso-contentType ?>
-<spe:Receivers xmlns:spe="http://schemas.microsoft.com/sharepoint/events">
-  <Receiver>
-    <Name>Document ID Generator</Name>
-    <Synchronization>Synchronous</Synchronization>
-    <Type>10001</Type>
-    <SequenceNumber>1000</SequenceNumber>
-    <Url/>
-    <Assembly>Microsoft.Office.DocumentManagement, Version=16.0.0.0, Culture=neutral, PublicKeyToken=71e9bce111e9429c</Assembly>
-    <Class>Microsoft.Office.DocumentManagement.Internal.DocIdHandler</Class>
-    <Data/>
-    <Filter/>
-  </Receiver>
-  <Receiver>
-    <Name>Document ID Generator</Name>
-    <Synchronization>Synchronous</Synchronization>
-    <Type>10002</Type>
-    <SequenceNumber>1001</SequenceNumber>
-    <Url/>
-    <Assembly>Microsoft.Office.DocumentManagement, Version=16.0.0.0, Culture=neutral, PublicKeyToken=71e9bce111e9429c</Assembly>
-    <Class>Microsoft.Office.DocumentManagement.Internal.DocIdHandler</Class>
-    <Data/>
-    <Filter/>
-  </Receiver>
-  <Receiver>
-    <Name>Document ID Generator</Name>
-    <Synchronization>Synchronous</Synchronization>
-    <Type>10004</Type>
-    <SequenceNumber>1002</SequenceNumber>
-    <Url/>
-    <Assembly>Microsoft.Office.DocumentManagement, Version=16.0.0.0, Culture=neutral, PublicKeyToken=71e9bce111e9429c</Assembly>
-    <Class>Microsoft.Office.DocumentManagement.Internal.DocIdHandler</Class>
-    <Data/>
-    <Filter/>
-  </Receiver>
-  <Receiver>
-    <Name>Document ID Generator</Name>
-    <Synchronization>Synchronous</Synchronization>
-    <Type>10006</Type>
-    <SequenceNumber>1003</SequenceNumber>
-    <Url/>
-    <Assembly>Microsoft.Office.DocumentManagement, Version=16.0.0.0, Culture=neutral, PublicKeyToken=71e9bce111e9429c</Assembly>
-    <Class>Microsoft.Office.DocumentManagement.Internal.DocIdHandler</Class>
-    <Data/>
-    <Filter/>
-  </Receiver>
-</spe:Receivers>
-</file>
-
 <file path=customXml/item4.xml><?xml version="1.0" encoding="utf-8"?>
 <p:properties xmlns:p="http://schemas.microsoft.com/office/2006/metadata/properties" xmlns:xsi="http://www.w3.org/2001/XMLSchema-instance" xmlns:pc="http://schemas.microsoft.com/office/infopath/2007/PartnerControls">
   <documentManagement>
@@ -24604,6 +24572,22 @@
 </file>
 
 <file path=customXml/itemProps1.xml><?xml version="1.0" encoding="utf-8"?>
+<ds:datastoreItem xmlns:ds="http://schemas.openxmlformats.org/officeDocument/2006/customXml" ds:itemID="{FEC9592E-82DD-4399-A4BB-5C49E0F6255D}">
+  <ds:schemaRefs>
+    <ds:schemaRef ds:uri="http://schemas.microsoft.com/sharepoint/events"/>
+  </ds:schemaRefs>
+</ds:datastoreItem>
+</file>
+
+<file path=customXml/itemProps2.xml><?xml version="1.0" encoding="utf-8"?>
+<ds:datastoreItem xmlns:ds="http://schemas.openxmlformats.org/officeDocument/2006/customXml" ds:itemID="{758FDAC0-319D-4A54-8D8E-1D42CB1F8004}">
+  <ds:schemaRefs>
+    <ds:schemaRef ds:uri="http://schemas.microsoft.com/sharepoint/v3/contenttype/forms"/>
+  </ds:schemaRefs>
+</ds:datastoreItem>
+</file>
+
+<file path=customXml/itemProps3.xml><?xml version="1.0" encoding="utf-8"?>
 <ds:datastoreItem xmlns:ds="http://schemas.openxmlformats.org/officeDocument/2006/customXml" ds:itemID="{2694FA73-0B83-4A62-B0E5-A5BFAD5BFAE6}">
   <ds:schemaRefs>
     <ds:schemaRef ds:uri="http://schemas.microsoft.com/office/2006/metadata/contentType"/>
@@ -24622,22 +24606,6 @@
 </ds:datastoreItem>
 </file>
 
-<file path=customXml/itemProps2.xml><?xml version="1.0" encoding="utf-8"?>
-<ds:datastoreItem xmlns:ds="http://schemas.openxmlformats.org/officeDocument/2006/customXml" ds:itemID="{758FDAC0-319D-4A54-8D8E-1D42CB1F8004}">
-  <ds:schemaRefs>
-    <ds:schemaRef ds:uri="http://schemas.microsoft.com/sharepoint/v3/contenttype/forms"/>
-  </ds:schemaRefs>
-</ds:datastoreItem>
-</file>
-
-<file path=customXml/itemProps3.xml><?xml version="1.0" encoding="utf-8"?>
-<ds:datastoreItem xmlns:ds="http://schemas.openxmlformats.org/officeDocument/2006/customXml" ds:itemID="{FEC9592E-82DD-4399-A4BB-5C49E0F6255D}">
-  <ds:schemaRefs>
-    <ds:schemaRef ds:uri="http://schemas.microsoft.com/sharepoint/events"/>
-  </ds:schemaRefs>
-</ds:datastoreItem>
-</file>
-
 <file path=customXml/itemProps4.xml><?xml version="1.0" encoding="utf-8"?>
 <ds:datastoreItem xmlns:ds="http://schemas.openxmlformats.org/officeDocument/2006/customXml" ds:itemID="{F990F116-B58F-4255-B05B-DA3808E0E5C6}">
   <ds:schemaRefs>
@@ -24646,4 +24614,10 @@
     <ds:schemaRef ds:uri="230e9df3-be65-4c73-a93b-d1236ebd677e"/>
   </ds:schemaRefs>
 </ds:datastoreItem>
+</file>
+
+<file path=docMetadata/LabelInfo.xml><?xml version="1.0" encoding="utf-8"?>
+<clbl:labelList xmlns:clbl="http://schemas.microsoft.com/office/2020/mipLabelMetadata">
+  <clbl:label id="{f42aa342-8706-4288-bd11-ebb85995028c}" enabled="1" method="Privileged" siteId="{72f988bf-86f1-41af-91ab-2d7cd011db47}" removed="0"/>
+</clbl:labelList>
 </file>